--- a/Lecture/Workflow/Workflow_Lecture.pptx
+++ b/Lecture/Workflow/Workflow_Lecture.pptx
@@ -6,10 +6,10 @@
     <p:sldMasterId id="2147483676" r:id="rId2"/>
   </p:sldMasterIdLst>
   <p:notesMasterIdLst>
-    <p:notesMasterId r:id="rId19"/>
+    <p:notesMasterId r:id="rId20"/>
   </p:notesMasterIdLst>
   <p:handoutMasterIdLst>
-    <p:handoutMasterId r:id="rId20"/>
+    <p:handoutMasterId r:id="rId21"/>
   </p:handoutMasterIdLst>
   <p:sldIdLst>
     <p:sldId id="320" r:id="rId3"/>
@@ -27,12 +27,13 @@
     <p:sldId id="341" r:id="rId15"/>
     <p:sldId id="342" r:id="rId16"/>
     <p:sldId id="343" r:id="rId17"/>
-    <p:sldId id="329" r:id="rId18"/>
+    <p:sldId id="344" r:id="rId18"/>
+    <p:sldId id="329" r:id="rId19"/>
   </p:sldIdLst>
   <p:sldSz cx="9144000" cy="6858000" type="screen4x3"/>
   <p:notesSz cx="6858000" cy="9144000"/>
   <p:custDataLst>
-    <p:tags r:id="rId21"/>
+    <p:tags r:id="rId22"/>
   </p:custDataLst>
   <p:defaultTextStyle>
     <a:defPPr>
@@ -291,7 +292,7 @@
               <a:pPr>
                 <a:defRPr/>
               </a:pPr>
-              <a:t>1/13/2019</a:t>
+              <a:t>6/24/2019</a:t>
             </a:fld>
             <a:endParaRPr lang="en-US" dirty="0"/>
           </a:p>
@@ -503,7 +504,7 @@
               <a:pPr>
                 <a:defRPr/>
               </a:pPr>
-              <a:t>1/13/2019</a:t>
+              <a:t>6/24/2019</a:t>
             </a:fld>
             <a:endParaRPr lang="en-US" dirty="0"/>
           </a:p>
@@ -1022,7 +1023,7 @@
               <a:pPr>
                 <a:defRPr/>
               </a:pPr>
-              <a:t>1/13/2019</a:t>
+              <a:t>6/24/2019</a:t>
             </a:fld>
             <a:endParaRPr lang="en-US" dirty="0"/>
           </a:p>
@@ -1212,7 +1213,7 @@
               <a:pPr>
                 <a:defRPr/>
               </a:pPr>
-              <a:t>1/13/2019</a:t>
+              <a:t>6/24/2019</a:t>
             </a:fld>
             <a:endParaRPr lang="en-US" dirty="0"/>
           </a:p>
@@ -1412,7 +1413,7 @@
               <a:pPr>
                 <a:defRPr/>
               </a:pPr>
-              <a:t>1/13/2019</a:t>
+              <a:t>6/24/2019</a:t>
             </a:fld>
             <a:endParaRPr lang="en-US" dirty="0"/>
           </a:p>
@@ -1680,7 +1681,7 @@
               <a:pPr>
                 <a:defRPr/>
               </a:pPr>
-              <a:t>1/13/2019</a:t>
+              <a:t>6/24/2019</a:t>
             </a:fld>
             <a:endParaRPr lang="en-US" dirty="0">
               <a:solidFill>
@@ -1894,7 +1895,7 @@
               <a:pPr>
                 <a:defRPr/>
               </a:pPr>
-              <a:t>1/13/2019</a:t>
+              <a:t>6/24/2019</a:t>
             </a:fld>
             <a:endParaRPr lang="en-US" dirty="0">
               <a:solidFill>
@@ -2185,7 +2186,7 @@
               <a:pPr>
                 <a:defRPr/>
               </a:pPr>
-              <a:t>1/13/2019</a:t>
+              <a:t>6/24/2019</a:t>
             </a:fld>
             <a:endParaRPr lang="en-US" dirty="0">
               <a:solidFill>
@@ -2516,7 +2517,7 @@
               <a:pPr>
                 <a:defRPr/>
               </a:pPr>
-              <a:t>1/13/2019</a:t>
+              <a:t>6/24/2019</a:t>
             </a:fld>
             <a:endParaRPr lang="en-US" dirty="0">
               <a:solidFill>
@@ -2981,7 +2982,7 @@
               <a:pPr>
                 <a:defRPr/>
               </a:pPr>
-              <a:t>1/13/2019</a:t>
+              <a:t>6/24/2019</a:t>
             </a:fld>
             <a:endParaRPr lang="en-US" dirty="0">
               <a:solidFill>
@@ -3144,7 +3145,7 @@
               <a:pPr>
                 <a:defRPr/>
               </a:pPr>
-              <a:t>1/13/2019</a:t>
+              <a:t>6/24/2019</a:t>
             </a:fld>
             <a:endParaRPr lang="en-US" dirty="0">
               <a:solidFill>
@@ -3285,7 +3286,7 @@
               <a:pPr>
                 <a:defRPr/>
               </a:pPr>
-              <a:t>1/13/2019</a:t>
+              <a:t>6/24/2019</a:t>
             </a:fld>
             <a:endParaRPr lang="en-US" dirty="0">
               <a:solidFill>
@@ -3606,7 +3607,7 @@
               <a:pPr>
                 <a:defRPr/>
               </a:pPr>
-              <a:t>1/13/2019</a:t>
+              <a:t>6/24/2019</a:t>
             </a:fld>
             <a:endParaRPr lang="en-US" dirty="0">
               <a:solidFill>
@@ -3814,7 +3815,7 @@
               <a:pPr>
                 <a:defRPr/>
               </a:pPr>
-              <a:t>1/13/2019</a:t>
+              <a:t>6/24/2019</a:t>
             </a:fld>
             <a:endParaRPr lang="en-US" dirty="0"/>
           </a:p>
@@ -4097,7 +4098,7 @@
               <a:pPr>
                 <a:defRPr/>
               </a:pPr>
-              <a:t>1/13/2019</a:t>
+              <a:t>6/24/2019</a:t>
             </a:fld>
             <a:endParaRPr lang="en-US" dirty="0">
               <a:solidFill>
@@ -4311,7 +4312,7 @@
               <a:pPr>
                 <a:defRPr/>
               </a:pPr>
-              <a:t>1/13/2019</a:t>
+              <a:t>6/24/2019</a:t>
             </a:fld>
             <a:endParaRPr lang="en-US" dirty="0">
               <a:solidFill>
@@ -4535,7 +4536,7 @@
               <a:pPr>
                 <a:defRPr/>
               </a:pPr>
-              <a:t>1/13/2019</a:t>
+              <a:t>6/24/2019</a:t>
             </a:fld>
             <a:endParaRPr lang="en-US" dirty="0">
               <a:solidFill>
@@ -4745,7 +4746,7 @@
               <a:pPr>
                 <a:defRPr/>
               </a:pPr>
-              <a:t>1/13/2019</a:t>
+              <a:t>6/24/2019</a:t>
             </a:fld>
             <a:endParaRPr lang="en-US" dirty="0">
               <a:solidFill>
@@ -5022,7 +5023,7 @@
               <a:pPr>
                 <a:defRPr/>
               </a:pPr>
-              <a:t>1/13/2019</a:t>
+              <a:t>6/24/2019</a:t>
             </a:fld>
             <a:endParaRPr lang="en-US" dirty="0"/>
           </a:p>
@@ -5329,7 +5330,7 @@
               <a:pPr>
                 <a:defRPr/>
               </a:pPr>
-              <a:t>1/13/2019</a:t>
+              <a:t>6/24/2019</a:t>
             </a:fld>
             <a:endParaRPr lang="en-US" dirty="0"/>
           </a:p>
@@ -5770,7 +5771,7 @@
               <a:pPr>
                 <a:defRPr/>
               </a:pPr>
-              <a:t>1/13/2019</a:t>
+              <a:t>6/24/2019</a:t>
             </a:fld>
             <a:endParaRPr lang="en-US" dirty="0"/>
           </a:p>
@@ -5909,7 +5910,7 @@
               <a:pPr>
                 <a:defRPr/>
               </a:pPr>
-              <a:t>1/13/2019</a:t>
+              <a:t>6/24/2019</a:t>
             </a:fld>
             <a:endParaRPr lang="en-US" dirty="0"/>
           </a:p>
@@ -6026,7 +6027,7 @@
               <a:pPr>
                 <a:defRPr/>
               </a:pPr>
-              <a:t>1/13/2019</a:t>
+              <a:t>6/24/2019</a:t>
             </a:fld>
             <a:endParaRPr lang="en-US" dirty="0"/>
           </a:p>
@@ -6323,7 +6324,7 @@
               <a:pPr>
                 <a:defRPr/>
               </a:pPr>
-              <a:t>1/13/2019</a:t>
+              <a:t>6/24/2019</a:t>
             </a:fld>
             <a:endParaRPr lang="en-US" dirty="0"/>
           </a:p>
@@ -6600,7 +6601,7 @@
               <a:pPr>
                 <a:defRPr/>
               </a:pPr>
-              <a:t>1/13/2019</a:t>
+              <a:t>6/24/2019</a:t>
             </a:fld>
             <a:endParaRPr lang="en-US" dirty="0"/>
           </a:p>
@@ -6857,7 +6858,7 @@
               <a:pPr>
                 <a:defRPr/>
               </a:pPr>
-              <a:t>1/13/2019</a:t>
+              <a:t>6/24/2019</a:t>
             </a:fld>
             <a:endParaRPr lang="en-US" dirty="0"/>
           </a:p>
@@ -7567,7 +7568,7 @@
               <a:pPr>
                 <a:defRPr/>
               </a:pPr>
-              <a:t>1/13/2019</a:t>
+              <a:t>6/24/2019</a:t>
             </a:fld>
             <a:endParaRPr lang="en-US" dirty="0">
               <a:solidFill>
@@ -11109,6 +11110,526 @@
       </p:grpSpPr>
       <p:sp>
         <p:nvSpPr>
+          <p:cNvPr id="9" name="Content Placeholder 2">
+            <a:extLst>
+              <a:ext uri="{FF2B5EF4-FFF2-40B4-BE49-F238E27FC236}">
+                <a16:creationId xmlns:a16="http://schemas.microsoft.com/office/drawing/2014/main" id="{C9B1624B-95AA-41B6-A6E1-2BEA66BC7357}"/>
+              </a:ext>
+            </a:extLst>
+          </p:cNvPr>
+          <p:cNvSpPr txBox="1">
+            <a:spLocks/>
+          </p:cNvSpPr>
+          <p:nvPr/>
+        </p:nvSpPr>
+        <p:spPr bwMode="auto">
+          <a:xfrm>
+            <a:off x="3632495" y="677334"/>
+            <a:ext cx="5359103" cy="5833533"/>
+          </a:xfrm>
+          <a:prstGeom prst="rect">
+            <a:avLst/>
+          </a:prstGeom>
+        </p:spPr>
+        <p:txBody>
+          <a:bodyPr vert="horz" lIns="91440" tIns="45720" rIns="91440" bIns="45720" numCol="1" rtlCol="0" anchorCtr="0" compatLnSpc="1">
+            <a:prstTxWarp prst="textNoShape">
+              <a:avLst/>
+            </a:prstTxWarp>
+            <a:noAutofit/>
+          </a:bodyPr>
+          <a:lstStyle>
+            <a:lvl1pPr marL="342900" indent="-342900" algn="l" defTabSz="457200" rtl="0" eaLnBrk="0" fontAlgn="base" hangingPunct="0">
+              <a:spcBef>
+                <a:spcPct val="20000"/>
+              </a:spcBef>
+              <a:spcAft>
+                <a:spcPct val="0"/>
+              </a:spcAft>
+              <a:buFont typeface="Arial" charset="0"/>
+              <a:buChar char="•"/>
+              <a:defRPr sz="3200" kern="1200">
+                <a:solidFill>
+                  <a:schemeClr val="tx1"/>
+                </a:solidFill>
+                <a:latin typeface="+mn-lt"/>
+                <a:ea typeface="ＭＳ Ｐゴシック" pitchFamily="-109" charset="-128"/>
+                <a:cs typeface="ＭＳ Ｐゴシック" pitchFamily="-109" charset="-128"/>
+              </a:defRPr>
+            </a:lvl1pPr>
+            <a:lvl2pPr marL="742950" indent="-285750" algn="l" defTabSz="457200" rtl="0" eaLnBrk="0" fontAlgn="base" hangingPunct="0">
+              <a:spcBef>
+                <a:spcPct val="20000"/>
+              </a:spcBef>
+              <a:spcAft>
+                <a:spcPct val="0"/>
+              </a:spcAft>
+              <a:buFont typeface="Arial" charset="0"/>
+              <a:buChar char="–"/>
+              <a:defRPr sz="2800" kern="1200">
+                <a:solidFill>
+                  <a:schemeClr val="tx1"/>
+                </a:solidFill>
+                <a:latin typeface="+mn-lt"/>
+                <a:ea typeface="ＭＳ Ｐゴシック" pitchFamily="-109" charset="-128"/>
+                <a:cs typeface="+mn-cs"/>
+              </a:defRPr>
+            </a:lvl2pPr>
+            <a:lvl3pPr marL="1143000" indent="-228600" algn="l" defTabSz="457200" rtl="0" eaLnBrk="0" fontAlgn="base" hangingPunct="0">
+              <a:spcBef>
+                <a:spcPct val="20000"/>
+              </a:spcBef>
+              <a:spcAft>
+                <a:spcPct val="0"/>
+              </a:spcAft>
+              <a:buFont typeface="Arial" charset="0"/>
+              <a:buChar char="•"/>
+              <a:defRPr sz="2400" kern="1200">
+                <a:solidFill>
+                  <a:schemeClr val="tx1"/>
+                </a:solidFill>
+                <a:latin typeface="+mn-lt"/>
+                <a:ea typeface="ＭＳ Ｐゴシック" pitchFamily="-109" charset="-128"/>
+                <a:cs typeface="+mn-cs"/>
+              </a:defRPr>
+            </a:lvl3pPr>
+            <a:lvl4pPr marL="1600200" indent="-228600" algn="l" defTabSz="457200" rtl="0" eaLnBrk="0" fontAlgn="base" hangingPunct="0">
+              <a:spcBef>
+                <a:spcPct val="20000"/>
+              </a:spcBef>
+              <a:spcAft>
+                <a:spcPct val="0"/>
+              </a:spcAft>
+              <a:buFont typeface="Arial" charset="0"/>
+              <a:buChar char="–"/>
+              <a:defRPr sz="2000" kern="1200">
+                <a:solidFill>
+                  <a:schemeClr val="tx1"/>
+                </a:solidFill>
+                <a:latin typeface="+mn-lt"/>
+                <a:ea typeface="ＭＳ Ｐゴシック" pitchFamily="-109" charset="-128"/>
+                <a:cs typeface="+mn-cs"/>
+              </a:defRPr>
+            </a:lvl4pPr>
+            <a:lvl5pPr marL="2057400" indent="-228600" algn="l" defTabSz="457200" rtl="0" eaLnBrk="0" fontAlgn="base" hangingPunct="0">
+              <a:spcBef>
+                <a:spcPct val="20000"/>
+              </a:spcBef>
+              <a:spcAft>
+                <a:spcPct val="0"/>
+              </a:spcAft>
+              <a:buFont typeface="Arial" charset="0"/>
+              <a:buChar char="»"/>
+              <a:defRPr sz="2000" kern="1200">
+                <a:solidFill>
+                  <a:schemeClr val="tx1"/>
+                </a:solidFill>
+                <a:latin typeface="+mn-lt"/>
+                <a:ea typeface="ＭＳ Ｐゴシック" pitchFamily="-109" charset="-128"/>
+                <a:cs typeface="+mn-cs"/>
+              </a:defRPr>
+            </a:lvl5pPr>
+            <a:lvl6pPr marL="2514600" indent="-228600" algn="l" defTabSz="457200" rtl="0" eaLnBrk="1" latinLnBrk="0" hangingPunct="1">
+              <a:spcBef>
+                <a:spcPct val="20000"/>
+              </a:spcBef>
+              <a:buFont typeface="Arial"/>
+              <a:buChar char="•"/>
+              <a:defRPr sz="2000" kern="1200">
+                <a:solidFill>
+                  <a:schemeClr val="tx1"/>
+                </a:solidFill>
+                <a:latin typeface="+mn-lt"/>
+                <a:ea typeface="+mn-ea"/>
+                <a:cs typeface="+mn-cs"/>
+              </a:defRPr>
+            </a:lvl6pPr>
+            <a:lvl7pPr marL="2971800" indent="-228600" algn="l" defTabSz="457200" rtl="0" eaLnBrk="1" latinLnBrk="0" hangingPunct="1">
+              <a:spcBef>
+                <a:spcPct val="20000"/>
+              </a:spcBef>
+              <a:buFont typeface="Arial"/>
+              <a:buChar char="•"/>
+              <a:defRPr sz="2000" kern="1200">
+                <a:solidFill>
+                  <a:schemeClr val="tx1"/>
+                </a:solidFill>
+                <a:latin typeface="+mn-lt"/>
+                <a:ea typeface="+mn-ea"/>
+                <a:cs typeface="+mn-cs"/>
+              </a:defRPr>
+            </a:lvl7pPr>
+            <a:lvl8pPr marL="3429000" indent="-228600" algn="l" defTabSz="457200" rtl="0" eaLnBrk="1" latinLnBrk="0" hangingPunct="1">
+              <a:spcBef>
+                <a:spcPct val="20000"/>
+              </a:spcBef>
+              <a:buFont typeface="Arial"/>
+              <a:buChar char="•"/>
+              <a:defRPr sz="2000" kern="1200">
+                <a:solidFill>
+                  <a:schemeClr val="tx1"/>
+                </a:solidFill>
+                <a:latin typeface="+mn-lt"/>
+                <a:ea typeface="+mn-ea"/>
+                <a:cs typeface="+mn-cs"/>
+              </a:defRPr>
+            </a:lvl8pPr>
+            <a:lvl9pPr marL="3886200" indent="-228600" algn="l" defTabSz="457200" rtl="0" eaLnBrk="1" latinLnBrk="0" hangingPunct="1">
+              <a:spcBef>
+                <a:spcPct val="20000"/>
+              </a:spcBef>
+              <a:buFont typeface="Arial"/>
+              <a:buChar char="•"/>
+              <a:defRPr sz="2000" kern="1200">
+                <a:solidFill>
+                  <a:schemeClr val="tx1"/>
+                </a:solidFill>
+                <a:latin typeface="+mn-lt"/>
+                <a:ea typeface="+mn-ea"/>
+                <a:cs typeface="+mn-cs"/>
+              </a:defRPr>
+            </a:lvl9pPr>
+          </a:lstStyle>
+          <a:p>
+            <a:pPr marL="114300" indent="0" defTabSz="914400" eaLnBrk="1" hangingPunct="1">
+              <a:lnSpc>
+                <a:spcPct val="90000"/>
+              </a:lnSpc>
+              <a:buNone/>
+            </a:pPr>
+            <a:r>
+              <a:rPr lang="en-US" sz="4800" b="1" dirty="0">
+                <a:solidFill>
+                  <a:srgbClr val="404040"/>
+                </a:solidFill>
+                <a:ea typeface="+mn-ea"/>
+              </a:rPr>
+              <a:t>Now, let us </a:t>
+            </a:r>
+          </a:p>
+          <a:p>
+            <a:pPr marL="114300" indent="0" defTabSz="914400" eaLnBrk="1" hangingPunct="1">
+              <a:lnSpc>
+                <a:spcPct val="90000"/>
+              </a:lnSpc>
+              <a:buNone/>
+            </a:pPr>
+            <a:r>
+              <a:rPr lang="en-US" sz="9600" b="1" dirty="0">
+                <a:solidFill>
+                  <a:srgbClr val="404040"/>
+                </a:solidFill>
+                <a:ea typeface="+mn-ea"/>
+              </a:rPr>
+              <a:t>PRACTICE</a:t>
+            </a:r>
+            <a:endParaRPr lang="en-US" sz="9600" b="1" dirty="0">
+              <a:solidFill>
+                <a:srgbClr val="404040"/>
+              </a:solidFill>
+              <a:ea typeface="+mn-ea"/>
+              <a:cs typeface="+mn-cs"/>
+            </a:endParaRPr>
+          </a:p>
+          <a:p>
+            <a:pPr marL="114300" indent="0" defTabSz="914400" eaLnBrk="1" hangingPunct="1">
+              <a:lnSpc>
+                <a:spcPct val="90000"/>
+              </a:lnSpc>
+              <a:buNone/>
+            </a:pPr>
+            <a:endParaRPr lang="en-US" sz="2400" dirty="0">
+              <a:solidFill>
+                <a:srgbClr val="404040"/>
+              </a:solidFill>
+              <a:ea typeface="+mn-ea"/>
+              <a:cs typeface="+mn-cs"/>
+            </a:endParaRPr>
+          </a:p>
+          <a:p>
+            <a:pPr marL="114300" indent="0" defTabSz="914400" eaLnBrk="1" hangingPunct="1">
+              <a:lnSpc>
+                <a:spcPct val="90000"/>
+              </a:lnSpc>
+              <a:buNone/>
+            </a:pPr>
+            <a:r>
+              <a:rPr lang="en-US" sz="2800" b="1" dirty="0">
+                <a:solidFill>
+                  <a:srgbClr val="404040"/>
+                </a:solidFill>
+                <a:ea typeface="+mn-ea"/>
+              </a:rPr>
+              <a:t>Download the </a:t>
+            </a:r>
+            <a:r>
+              <a:rPr lang="en-US" sz="2800" b="1" dirty="0" err="1">
+                <a:solidFill>
+                  <a:srgbClr val="404040"/>
+                </a:solidFill>
+                <a:ea typeface="+mn-ea"/>
+              </a:rPr>
+              <a:t>Rmd</a:t>
+            </a:r>
+            <a:r>
+              <a:rPr lang="en-US" sz="2800" b="1" dirty="0">
+                <a:solidFill>
+                  <a:srgbClr val="404040"/>
+                </a:solidFill>
+                <a:ea typeface="+mn-ea"/>
+              </a:rPr>
+              <a:t>  for Tutorial 2 to Your Computer from the Course Website and open the file in RStudio</a:t>
+            </a:r>
+            <a:r>
+              <a:rPr lang="en-US" sz="2000" b="1" dirty="0">
+                <a:solidFill>
+                  <a:srgbClr val="404040"/>
+                </a:solidFill>
+                <a:ea typeface="+mn-ea"/>
+              </a:rPr>
+              <a:t>	</a:t>
+            </a:r>
+          </a:p>
+          <a:p>
+            <a:pPr lvl="1" indent="-228600" defTabSz="914400" eaLnBrk="1" hangingPunct="1">
+              <a:lnSpc>
+                <a:spcPct val="90000"/>
+              </a:lnSpc>
+              <a:buFont typeface="Arial" panose="020B0604020202020204" pitchFamily="34" charset="0"/>
+              <a:buChar char="•"/>
+            </a:pPr>
+            <a:endParaRPr lang="en-US" sz="2000" dirty="0">
+              <a:solidFill>
+                <a:srgbClr val="404040"/>
+              </a:solidFill>
+              <a:ea typeface="+mn-ea"/>
+            </a:endParaRPr>
+          </a:p>
+          <a:p>
+            <a:pPr marL="114300" indent="0" defTabSz="914400" eaLnBrk="1" hangingPunct="1">
+              <a:lnSpc>
+                <a:spcPct val="90000"/>
+              </a:lnSpc>
+              <a:buNone/>
+            </a:pPr>
+            <a:endParaRPr lang="en-US" sz="2400" dirty="0">
+              <a:solidFill>
+                <a:srgbClr val="404040"/>
+              </a:solidFill>
+              <a:ea typeface="+mn-ea"/>
+              <a:cs typeface="+mn-cs"/>
+            </a:endParaRPr>
+          </a:p>
+        </p:txBody>
+      </p:sp>
+      <p:sp>
+        <p:nvSpPr>
+          <p:cNvPr id="15" name="Rectangle 12">
+            <a:extLst>
+              <a:ext uri="{FF2B5EF4-FFF2-40B4-BE49-F238E27FC236}">
+                <a16:creationId xmlns:a16="http://schemas.microsoft.com/office/drawing/2014/main" id="{867D4867-5BA7-4462-B2F6-A23F4A622AA7}"/>
+              </a:ext>
+              <a:ext uri="{C183D7F6-B498-43B3-948B-1728B52AA6E4}">
+                <adec:decorative xmlns:adec="http://schemas.microsoft.com/office/drawing/2017/decorative" val="1"/>
+              </a:ext>
+            </a:extLst>
+          </p:cNvPr>
+          <p:cNvSpPr>
+            <a:spLocks noGrp="1" noRot="1" noChangeAspect="1" noMove="1" noResize="1" noEditPoints="1" noAdjustHandles="1" noChangeArrowheads="1" noChangeShapeType="1" noTextEdit="1"/>
+          </p:cNvSpPr>
+          <p:nvPr>
+            <p:extLst>
+              <p:ext uri="{386F3935-93C4-4BCD-93E2-E3B085C9AB24}">
+                <p16:designElem xmlns:p16="http://schemas.microsoft.com/office/powerpoint/2015/main" val="1"/>
+              </p:ext>
+            </p:extLst>
+          </p:nvPr>
+        </p:nvSpPr>
+        <p:spPr>
+          <a:xfrm>
+            <a:off x="0" y="0"/>
+            <a:ext cx="3490722" cy="6858000"/>
+          </a:xfrm>
+          <a:prstGeom prst="rect">
+            <a:avLst/>
+          </a:prstGeom>
+          <a:solidFill>
+            <a:schemeClr val="tx1">
+              <a:lumMod val="75000"/>
+              <a:lumOff val="25000"/>
+            </a:schemeClr>
+          </a:solidFill>
+          <a:ln>
+            <a:noFill/>
+          </a:ln>
+        </p:spPr>
+        <p:style>
+          <a:lnRef idx="0">
+            <a:scrgbClr r="0" g="0" b="0"/>
+          </a:lnRef>
+          <a:fillRef idx="0">
+            <a:scrgbClr r="0" g="0" b="0"/>
+          </a:fillRef>
+          <a:effectRef idx="0">
+            <a:scrgbClr r="0" g="0" b="0"/>
+          </a:effectRef>
+          <a:fontRef idx="minor">
+            <a:schemeClr val="lt1"/>
+          </a:fontRef>
+        </p:style>
+        <p:txBody>
+          <a:bodyPr rtlCol="0" anchor="ctr"/>
+          <a:lstStyle/>
+          <a:p>
+            <a:pPr algn="ctr"/>
+            <a:endParaRPr lang="en-US"/>
+          </a:p>
+        </p:txBody>
+      </p:sp>
+      <p:sp>
+        <p:nvSpPr>
+          <p:cNvPr id="2" name="Title 1"/>
+          <p:cNvSpPr>
+            <a:spLocks noGrp="1"/>
+          </p:cNvSpPr>
+          <p:nvPr>
+            <p:ph type="title"/>
+          </p:nvPr>
+        </p:nvSpPr>
+        <p:spPr>
+          <a:xfrm>
+            <a:off x="482600" y="643467"/>
+            <a:ext cx="2522980" cy="1597315"/>
+          </a:xfrm>
+          <a:noFill/>
+          <a:ln w="19050">
+            <a:solidFill>
+              <a:schemeClr val="bg1"/>
+            </a:solidFill>
+          </a:ln>
+        </p:spPr>
+        <p:txBody>
+          <a:bodyPr vert="horz" wrap="square" lIns="91440" tIns="45720" rIns="91440" bIns="45720" rtlCol="0" anchor="ctr">
+            <a:normAutofit/>
+          </a:bodyPr>
+          <a:lstStyle/>
+          <a:p>
+            <a:pPr defTabSz="914400" eaLnBrk="1" hangingPunct="1">
+              <a:lnSpc>
+                <a:spcPct val="90000"/>
+              </a:lnSpc>
+            </a:pPr>
+            <a:r>
+              <a:rPr lang="en-US" sz="2400" kern="1200" dirty="0">
+                <a:solidFill>
+                  <a:schemeClr val="bg1"/>
+                </a:solidFill>
+                <a:latin typeface="+mj-lt"/>
+                <a:ea typeface="+mj-ea"/>
+                <a:cs typeface="+mj-cs"/>
+              </a:rPr>
+              <a:t> </a:t>
+            </a:r>
+            <a:r>
+              <a:rPr lang="en-US" sz="2400" kern="1200" dirty="0" err="1">
+                <a:solidFill>
+                  <a:schemeClr val="bg1"/>
+                </a:solidFill>
+                <a:latin typeface="+mj-lt"/>
+                <a:ea typeface="+mj-ea"/>
+                <a:cs typeface="+mj-cs"/>
+              </a:rPr>
+              <a:t>RMarkdown</a:t>
+            </a:r>
+            <a:r>
+              <a:rPr lang="en-US" sz="2400" kern="1200" dirty="0">
+                <a:solidFill>
+                  <a:schemeClr val="bg1"/>
+                </a:solidFill>
+                <a:latin typeface="+mj-lt"/>
+                <a:ea typeface="+mj-ea"/>
+                <a:cs typeface="+mj-cs"/>
+              </a:rPr>
+              <a:t> Training</a:t>
+            </a:r>
+          </a:p>
+        </p:txBody>
+      </p:sp>
+      <p:pic>
+        <p:nvPicPr>
+          <p:cNvPr id="8" name="Picture 7">
+            <a:extLst>
+              <a:ext uri="{FF2B5EF4-FFF2-40B4-BE49-F238E27FC236}">
+                <a16:creationId xmlns:a16="http://schemas.microsoft.com/office/drawing/2014/main" id="{521D4292-9ECC-4DA5-8CC0-C561A0DA118E}"/>
+              </a:ext>
+            </a:extLst>
+          </p:cNvPr>
+          <p:cNvPicPr>
+            <a:picLocks noChangeAspect="1"/>
+          </p:cNvPicPr>
+          <p:nvPr/>
+        </p:nvPicPr>
+        <p:blipFill rotWithShape="1">
+          <a:blip r:embed="rId3"/>
+          <a:srcRect l="8000" r="9400"/>
+          <a:stretch/>
+        </p:blipFill>
+        <p:spPr>
+          <a:xfrm>
+            <a:off x="660103" y="3048000"/>
+            <a:ext cx="2167974" cy="2624666"/>
+          </a:xfrm>
+          <a:prstGeom prst="rect">
+            <a:avLst/>
+          </a:prstGeom>
+          <a:noFill/>
+        </p:spPr>
+      </p:pic>
+    </p:spTree>
+    <p:custDataLst>
+      <p:tags r:id="rId1"/>
+    </p:custDataLst>
+    <p:extLst>
+      <p:ext uri="{BB962C8B-B14F-4D97-AF65-F5344CB8AC3E}">
+        <p14:creationId xmlns:p14="http://schemas.microsoft.com/office/powerpoint/2010/main" val="3394265656"/>
+      </p:ext>
+    </p:extLst>
+  </p:cSld>
+  <p:clrMapOvr>
+    <a:masterClrMapping/>
+  </p:clrMapOvr>
+</p:sld>
+</file>
+
+<file path=ppt/slides/slide17.xml><?xml version="1.0" encoding="utf-8"?>
+<p:sld xmlns:a="http://schemas.openxmlformats.org/drawingml/2006/main" xmlns:r="http://schemas.openxmlformats.org/officeDocument/2006/relationships" xmlns:p="http://schemas.openxmlformats.org/presentationml/2006/main">
+  <p:cSld>
+    <p:bg>
+      <p:bgPr>
+        <a:solidFill>
+          <a:schemeClr val="bg1">
+            <a:lumMod val="85000"/>
+          </a:schemeClr>
+        </a:solidFill>
+        <a:effectLst/>
+      </p:bgPr>
+    </p:bg>
+    <p:spTree>
+      <p:nvGrpSpPr>
+        <p:cNvPr id="1" name=""/>
+        <p:cNvGrpSpPr/>
+        <p:nvPr/>
+      </p:nvGrpSpPr>
+      <p:grpSpPr>
+        <a:xfrm>
+          <a:off x="0" y="0"/>
+          <a:ext cx="0" cy="0"/>
+          <a:chOff x="0" y="0"/>
+          <a:chExt cx="0" cy="0"/>
+        </a:xfrm>
+      </p:grpSpPr>
+      <p:sp>
+        <p:nvSpPr>
           <p:cNvPr id="15" name="Rectangle 12">
             <a:extLst>
               <a:ext uri="{FF2B5EF4-FFF2-40B4-BE49-F238E27FC236}">
@@ -12062,7 +12583,7 @@
                   <a:srgbClr val="404040"/>
                 </a:solidFill>
               </a:rPr>
-              <a:t>Rmarkdown</a:t>
+              <a:t>RMarkdown</a:t>
             </a:r>
             <a:endParaRPr lang="en-US" sz="6600" dirty="0">
               <a:solidFill>
@@ -16851,6 +17372,12 @@
 </file>
 
 <file path=ppt/tags/tag17.xml><?xml version="1.0" encoding="utf-8"?>
+<p:tagLst xmlns:a="http://schemas.openxmlformats.org/drawingml/2006/main" xmlns:r="http://schemas.openxmlformats.org/officeDocument/2006/relationships" xmlns:p="http://schemas.openxmlformats.org/presentationml/2006/main">
+  <p:tag name="DELIMITERS" val="3.1"/>
+</p:tagLst>
+</file>
+
+<file path=ppt/tags/tag18.xml><?xml version="1.0" encoding="utf-8"?>
 <p:tagLst xmlns:a="http://schemas.openxmlformats.org/drawingml/2006/main" xmlns:r="http://schemas.openxmlformats.org/officeDocument/2006/relationships" xmlns:p="http://schemas.openxmlformats.org/presentationml/2006/main">
   <p:tag name="DELIMITERS" val="3.1"/>
 </p:tagLst>
